--- a/File_Uploading&Downloading.pptx
+++ b/File_Uploading&Downloading.pptx
@@ -6,6 +6,9 @@
   </p:sldMasterIdLst>
   <p:sldIdLst>
     <p:sldId id="256" r:id="rId2"/>
+    <p:sldId id="257" r:id="rId3"/>
+    <p:sldId id="258" r:id="rId4"/>
+    <p:sldId id="259" r:id="rId5"/>
   </p:sldIdLst>
   <p:sldSz cx="12192000" cy="6858000"/>
   <p:notesSz cx="6858000" cy="9144000"/>
@@ -104,6 +107,11 @@
       </a:defRPr>
     </a:lvl9pPr>
   </p:defaultTextStyle>
+  <p:extLst>
+    <p:ext uri="{EFAFB233-063F-42B5-8137-9DF3F51BA10A}">
+      <p15:sldGuideLst xmlns:p15="http://schemas.microsoft.com/office/powerpoint/2012/main"/>
+    </p:ext>
+  </p:extLst>
 </p:presentation>
 </file>
 
@@ -254,7 +262,7 @@
           <a:p>
             <a:fld id="{94B441FA-8D28-435E-8472-4322CEFA278B}" type="datetimeFigureOut">
               <a:rPr lang="en-US" smtClean="0"/>
-              <a:t>2/10/2023</a:t>
+              <a:t>2/12/2023</a:t>
             </a:fld>
             <a:endParaRPr lang="en-US"/>
           </a:p>
@@ -452,7 +460,7 @@
           <a:p>
             <a:fld id="{94B441FA-8D28-435E-8472-4322CEFA278B}" type="datetimeFigureOut">
               <a:rPr lang="en-US" smtClean="0"/>
-              <a:t>2/10/2023</a:t>
+              <a:t>2/12/2023</a:t>
             </a:fld>
             <a:endParaRPr lang="en-US"/>
           </a:p>
@@ -660,7 +668,7 @@
           <a:p>
             <a:fld id="{94B441FA-8D28-435E-8472-4322CEFA278B}" type="datetimeFigureOut">
               <a:rPr lang="en-US" smtClean="0"/>
-              <a:t>2/10/2023</a:t>
+              <a:t>2/12/2023</a:t>
             </a:fld>
             <a:endParaRPr lang="en-US"/>
           </a:p>
@@ -858,7 +866,7 @@
           <a:p>
             <a:fld id="{94B441FA-8D28-435E-8472-4322CEFA278B}" type="datetimeFigureOut">
               <a:rPr lang="en-US" smtClean="0"/>
-              <a:t>2/10/2023</a:t>
+              <a:t>2/12/2023</a:t>
             </a:fld>
             <a:endParaRPr lang="en-US"/>
           </a:p>
@@ -1133,7 +1141,7 @@
           <a:p>
             <a:fld id="{94B441FA-8D28-435E-8472-4322CEFA278B}" type="datetimeFigureOut">
               <a:rPr lang="en-US" smtClean="0"/>
-              <a:t>2/10/2023</a:t>
+              <a:t>2/12/2023</a:t>
             </a:fld>
             <a:endParaRPr lang="en-US"/>
           </a:p>
@@ -1398,7 +1406,7 @@
           <a:p>
             <a:fld id="{94B441FA-8D28-435E-8472-4322CEFA278B}" type="datetimeFigureOut">
               <a:rPr lang="en-US" smtClean="0"/>
-              <a:t>2/10/2023</a:t>
+              <a:t>2/12/2023</a:t>
             </a:fld>
             <a:endParaRPr lang="en-US"/>
           </a:p>
@@ -1810,7 +1818,7 @@
           <a:p>
             <a:fld id="{94B441FA-8D28-435E-8472-4322CEFA278B}" type="datetimeFigureOut">
               <a:rPr lang="en-US" smtClean="0"/>
-              <a:t>2/10/2023</a:t>
+              <a:t>2/12/2023</a:t>
             </a:fld>
             <a:endParaRPr lang="en-US"/>
           </a:p>
@@ -1951,7 +1959,7 @@
           <a:p>
             <a:fld id="{94B441FA-8D28-435E-8472-4322CEFA278B}" type="datetimeFigureOut">
               <a:rPr lang="en-US" smtClean="0"/>
-              <a:t>2/10/2023</a:t>
+              <a:t>2/12/2023</a:t>
             </a:fld>
             <a:endParaRPr lang="en-US"/>
           </a:p>
@@ -2064,7 +2072,7 @@
           <a:p>
             <a:fld id="{94B441FA-8D28-435E-8472-4322CEFA278B}" type="datetimeFigureOut">
               <a:rPr lang="en-US" smtClean="0"/>
-              <a:t>2/10/2023</a:t>
+              <a:t>2/12/2023</a:t>
             </a:fld>
             <a:endParaRPr lang="en-US"/>
           </a:p>
@@ -2375,7 +2383,7 @@
           <a:p>
             <a:fld id="{94B441FA-8D28-435E-8472-4322CEFA278B}" type="datetimeFigureOut">
               <a:rPr lang="en-US" smtClean="0"/>
-              <a:t>2/10/2023</a:t>
+              <a:t>2/12/2023</a:t>
             </a:fld>
             <a:endParaRPr lang="en-US"/>
           </a:p>
@@ -2663,7 +2671,7 @@
           <a:p>
             <a:fld id="{94B441FA-8D28-435E-8472-4322CEFA278B}" type="datetimeFigureOut">
               <a:rPr lang="en-US" smtClean="0"/>
-              <a:t>2/10/2023</a:t>
+              <a:t>2/12/2023</a:t>
             </a:fld>
             <a:endParaRPr lang="en-US"/>
           </a:p>
@@ -2904,7 +2912,7 @@
           <a:p>
             <a:fld id="{94B441FA-8D28-435E-8472-4322CEFA278B}" type="datetimeFigureOut">
               <a:rPr lang="en-US" smtClean="0"/>
-              <a:t>2/10/2023</a:t>
+              <a:t>2/12/2023</a:t>
             </a:fld>
             <a:endParaRPr lang="en-US"/>
           </a:p>
@@ -3345,7 +3353,7 @@
         </p:spPr>
         <p:txBody>
           <a:bodyPr anchor="t">
-            <a:normAutofit/>
+            <a:normAutofit fontScale="90000"/>
           </a:bodyPr>
           <a:lstStyle/>
           <a:p>
@@ -3423,9 +3431,60 @@
             <a:br>
               <a:rPr lang="en-US" sz="3200" dirty="0"/>
             </a:br>
+            <a:r>
+              <a:rPr lang="en-US" sz="3200" dirty="0"/>
+              <a:t>Downloading Files with Authentication.</a:t>
+            </a:r>
             <a:br>
               <a:rPr lang="en-US" sz="3200" dirty="0"/>
             </a:br>
+            <a:r>
+              <a:rPr lang="en-US" sz="3200" dirty="0"/>
+              <a:t>Setting File Type Headers.</a:t>
+            </a:r>
+            <a:br>
+              <a:rPr lang="en-US" sz="3200" dirty="0"/>
+            </a:br>
+            <a:r>
+              <a:rPr lang="en-US" sz="3200" dirty="0"/>
+              <a:t>Restricting File Access.</a:t>
+            </a:r>
+            <a:br>
+              <a:rPr lang="en-US" sz="3200" dirty="0"/>
+            </a:br>
+            <a:r>
+              <a:rPr lang="en-US" sz="3200" dirty="0"/>
+              <a:t>Streaming Data vs Preloading Data.</a:t>
+            </a:r>
+            <a:br>
+              <a:rPr lang="en-US" sz="3200" dirty="0"/>
+            </a:br>
+            <a:r>
+              <a:rPr lang="en-US" sz="3200" dirty="0"/>
+              <a:t>Using </a:t>
+            </a:r>
+            <a:r>
+              <a:rPr lang="en-US" sz="3200" dirty="0" err="1"/>
+              <a:t>PDFkit</a:t>
+            </a:r>
+            <a:r>
+              <a:rPr lang="en-US" sz="3200" dirty="0"/>
+              <a:t> for .pdf Generation.</a:t>
+            </a:r>
+            <a:br>
+              <a:rPr lang="en-US" sz="3200" dirty="0"/>
+            </a:br>
+            <a:r>
+              <a:rPr lang="en-US" sz="3200" dirty="0"/>
+              <a:t>Generating .pdf Files with Order Data</a:t>
+            </a:r>
+            <a:br>
+              <a:rPr lang="en-US" sz="3200" dirty="0"/>
+            </a:br>
+            <a:r>
+              <a:rPr lang="en-US" sz="3200" dirty="0"/>
+              <a:t>Deleting Files.</a:t>
+            </a:r>
             <a:br>
               <a:rPr lang="en-US" sz="3200" dirty="0"/>
             </a:br>
@@ -3437,6 +3496,306 @@
     <p:extLst>
       <p:ext uri="{BB962C8B-B14F-4D97-AF65-F5344CB8AC3E}">
         <p14:creationId xmlns:p14="http://schemas.microsoft.com/office/powerpoint/2010/main" val="3517330369"/>
+      </p:ext>
+    </p:extLst>
+  </p:cSld>
+  <p:clrMapOvr>
+    <a:masterClrMapping/>
+  </p:clrMapOvr>
+</p:sld>
+</file>
+
+<file path=ppt/slides/slide2.xml><?xml version="1.0" encoding="utf-8"?>
+<p:sld xmlns:a="http://schemas.openxmlformats.org/drawingml/2006/main" xmlns:r="http://schemas.openxmlformats.org/officeDocument/2006/relationships" xmlns:p="http://schemas.openxmlformats.org/presentationml/2006/main">
+  <p:cSld>
+    <p:spTree>
+      <p:nvGrpSpPr>
+        <p:cNvPr id="1" name=""/>
+        <p:cNvGrpSpPr/>
+        <p:nvPr/>
+      </p:nvGrpSpPr>
+      <p:grpSpPr>
+        <a:xfrm>
+          <a:off x="0" y="0"/>
+          <a:ext cx="0" cy="0"/>
+          <a:chOff x="0" y="0"/>
+          <a:chExt cx="0" cy="0"/>
+        </a:xfrm>
+      </p:grpSpPr>
+      <p:sp>
+        <p:nvSpPr>
+          <p:cNvPr id="2" name="Title 1">
+            <a:extLst>
+              <a:ext uri="{FF2B5EF4-FFF2-40B4-BE49-F238E27FC236}">
+                <a16:creationId xmlns:a16="http://schemas.microsoft.com/office/drawing/2014/main" id="{3E7FF82D-B419-2994-45D7-FD0406EB88A2}"/>
+              </a:ext>
+            </a:extLst>
+          </p:cNvPr>
+          <p:cNvSpPr>
+            <a:spLocks noGrp="1"/>
+          </p:cNvSpPr>
+          <p:nvPr>
+            <p:ph type="title"/>
+          </p:nvPr>
+        </p:nvSpPr>
+        <p:spPr>
+          <a:xfrm>
+            <a:off x="838200" y="365125"/>
+            <a:ext cx="10515600" cy="5826669"/>
+          </a:xfrm>
+        </p:spPr>
+        <p:txBody>
+          <a:bodyPr>
+            <a:normAutofit/>
+          </a:bodyPr>
+          <a:lstStyle/>
+          <a:p>
+            <a:br>
+              <a:rPr lang="en-US" dirty="0"/>
+            </a:br>
+            <a:br>
+              <a:rPr lang="en-US" dirty="0"/>
+            </a:br>
+            <a:r>
+              <a:rPr lang="en-US" dirty="0"/>
+              <a:t>Invoice</a:t>
+            </a:r>
+            <a:br>
+              <a:rPr lang="en-US" dirty="0"/>
+            </a:br>
+            <a:br>
+              <a:rPr lang="en-US" dirty="0"/>
+            </a:br>
+            <a:r>
+              <a:rPr lang="en-US" dirty="0"/>
+              <a:t>Item 1 – 10.00</a:t>
+            </a:r>
+            <a:br>
+              <a:rPr lang="en-US" dirty="0"/>
+            </a:br>
+            <a:br>
+              <a:rPr lang="en-US" dirty="0"/>
+            </a:br>
+            <a:r>
+              <a:rPr lang="en-US" dirty="0"/>
+              <a:t>Total: 20.00</a:t>
+            </a:r>
+            <a:br>
+              <a:rPr lang="en-US" dirty="0"/>
+            </a:br>
+            <a:endParaRPr lang="en-US" dirty="0"/>
+          </a:p>
+        </p:txBody>
+      </p:sp>
+    </p:spTree>
+    <p:extLst>
+      <p:ext uri="{BB962C8B-B14F-4D97-AF65-F5344CB8AC3E}">
+        <p14:creationId xmlns:p14="http://schemas.microsoft.com/office/powerpoint/2010/main" val="3892707207"/>
+      </p:ext>
+    </p:extLst>
+  </p:cSld>
+  <p:clrMapOvr>
+    <a:masterClrMapping/>
+  </p:clrMapOvr>
+</p:sld>
+</file>
+
+<file path=ppt/slides/slide3.xml><?xml version="1.0" encoding="utf-8"?>
+<p:sld xmlns:a="http://schemas.openxmlformats.org/drawingml/2006/main" xmlns:r="http://schemas.openxmlformats.org/officeDocument/2006/relationships" xmlns:p="http://schemas.openxmlformats.org/presentationml/2006/main">
+  <p:cSld>
+    <p:spTree>
+      <p:nvGrpSpPr>
+        <p:cNvPr id="1" name=""/>
+        <p:cNvGrpSpPr/>
+        <p:nvPr/>
+      </p:nvGrpSpPr>
+      <p:grpSpPr>
+        <a:xfrm>
+          <a:off x="0" y="0"/>
+          <a:ext cx="0" cy="0"/>
+          <a:chOff x="0" y="0"/>
+          <a:chExt cx="0" cy="0"/>
+        </a:xfrm>
+      </p:grpSpPr>
+      <p:sp>
+        <p:nvSpPr>
+          <p:cNvPr id="2" name="Title 1">
+            <a:extLst>
+              <a:ext uri="{FF2B5EF4-FFF2-40B4-BE49-F238E27FC236}">
+                <a16:creationId xmlns:a16="http://schemas.microsoft.com/office/drawing/2014/main" id="{D2C1E398-9D61-5FC1-06D9-1026A695B764}"/>
+              </a:ext>
+            </a:extLst>
+          </p:cNvPr>
+          <p:cNvSpPr>
+            <a:spLocks noGrp="1"/>
+          </p:cNvSpPr>
+          <p:nvPr>
+            <p:ph type="title"/>
+          </p:nvPr>
+        </p:nvSpPr>
+        <p:spPr/>
+        <p:txBody>
+          <a:bodyPr/>
+          <a:lstStyle/>
+          <a:p>
+            <a:pPr algn="ctr"/>
+            <a:r>
+              <a:rPr lang="en-US" dirty="0"/>
+              <a:t>Pagination</a:t>
+            </a:r>
+          </a:p>
+        </p:txBody>
+      </p:sp>
+      <p:sp>
+        <p:nvSpPr>
+          <p:cNvPr id="3" name="Content Placeholder 2">
+            <a:extLst>
+              <a:ext uri="{FF2B5EF4-FFF2-40B4-BE49-F238E27FC236}">
+                <a16:creationId xmlns:a16="http://schemas.microsoft.com/office/drawing/2014/main" id="{CEA8B073-D5E1-6BCB-EA78-CE84F082D6BC}"/>
+              </a:ext>
+            </a:extLst>
+          </p:cNvPr>
+          <p:cNvSpPr>
+            <a:spLocks noGrp="1"/>
+          </p:cNvSpPr>
+          <p:nvPr>
+            <p:ph idx="1"/>
+          </p:nvPr>
+        </p:nvSpPr>
+        <p:spPr>
+          <a:xfrm>
+            <a:off x="838200" y="2547257"/>
+            <a:ext cx="10515600" cy="1207861"/>
+          </a:xfrm>
+        </p:spPr>
+        <p:txBody>
+          <a:bodyPr/>
+          <a:lstStyle/>
+          <a:p>
+            <a:pPr marL="0" indent="0" algn="ctr">
+              <a:buNone/>
+            </a:pPr>
+            <a:r>
+              <a:rPr lang="en-US" dirty="0"/>
+              <a:t>Fetching Data in Chunks</a:t>
+            </a:r>
+          </a:p>
+        </p:txBody>
+      </p:sp>
+    </p:spTree>
+    <p:extLst>
+      <p:ext uri="{BB962C8B-B14F-4D97-AF65-F5344CB8AC3E}">
+        <p14:creationId xmlns:p14="http://schemas.microsoft.com/office/powerpoint/2010/main" val="653433452"/>
+      </p:ext>
+    </p:extLst>
+  </p:cSld>
+  <p:clrMapOvr>
+    <a:masterClrMapping/>
+  </p:clrMapOvr>
+</p:sld>
+</file>
+
+<file path=ppt/slides/slide4.xml><?xml version="1.0" encoding="utf-8"?>
+<p:sld xmlns:a="http://schemas.openxmlformats.org/drawingml/2006/main" xmlns:r="http://schemas.openxmlformats.org/officeDocument/2006/relationships" xmlns:p="http://schemas.openxmlformats.org/presentationml/2006/main">
+  <p:cSld>
+    <p:spTree>
+      <p:nvGrpSpPr>
+        <p:cNvPr id="1" name=""/>
+        <p:cNvGrpSpPr/>
+        <p:nvPr/>
+      </p:nvGrpSpPr>
+      <p:grpSpPr>
+        <a:xfrm>
+          <a:off x="0" y="0"/>
+          <a:ext cx="0" cy="0"/>
+          <a:chOff x="0" y="0"/>
+          <a:chExt cx="0" cy="0"/>
+        </a:xfrm>
+      </p:grpSpPr>
+      <p:sp>
+        <p:nvSpPr>
+          <p:cNvPr id="2" name="Title 1">
+            <a:extLst>
+              <a:ext uri="{FF2B5EF4-FFF2-40B4-BE49-F238E27FC236}">
+                <a16:creationId xmlns:a16="http://schemas.microsoft.com/office/drawing/2014/main" id="{E45CDDBB-511B-3353-A425-1D5AD2281471}"/>
+              </a:ext>
+            </a:extLst>
+          </p:cNvPr>
+          <p:cNvSpPr>
+            <a:spLocks noGrp="1"/>
+          </p:cNvSpPr>
+          <p:nvPr>
+            <p:ph type="title"/>
+          </p:nvPr>
+        </p:nvSpPr>
+        <p:spPr/>
+        <p:txBody>
+          <a:bodyPr/>
+          <a:lstStyle/>
+          <a:p>
+            <a:endParaRPr lang="en-US"/>
+          </a:p>
+        </p:txBody>
+      </p:sp>
+      <p:sp>
+        <p:nvSpPr>
+          <p:cNvPr id="3" name="Content Placeholder 2">
+            <a:extLst>
+              <a:ext uri="{FF2B5EF4-FFF2-40B4-BE49-F238E27FC236}">
+                <a16:creationId xmlns:a16="http://schemas.microsoft.com/office/drawing/2014/main" id="{099A1B9A-06D5-18EB-01E2-7A3421E62052}"/>
+              </a:ext>
+            </a:extLst>
+          </p:cNvPr>
+          <p:cNvSpPr>
+            <a:spLocks noGrp="1"/>
+          </p:cNvSpPr>
+          <p:nvPr>
+            <p:ph idx="1"/>
+          </p:nvPr>
+        </p:nvSpPr>
+        <p:spPr/>
+        <p:txBody>
+          <a:bodyPr/>
+          <a:lstStyle/>
+          <a:p>
+            <a:r>
+              <a:rPr lang="en-US" dirty="0"/>
+              <a:t>Adding Pagination Links</a:t>
+            </a:r>
+          </a:p>
+          <a:p>
+            <a:r>
+              <a:rPr lang="en-US" dirty="0"/>
+              <a:t>Retrieving a chunk of data</a:t>
+            </a:r>
+          </a:p>
+          <a:p>
+            <a:r>
+              <a:rPr lang="en-US" dirty="0"/>
+              <a:t>Preparing pagination data on the Server</a:t>
+            </a:r>
+          </a:p>
+          <a:p>
+            <a:r>
+              <a:rPr lang="en-US" dirty="0"/>
+              <a:t>Adding dynamic pagination buttons.</a:t>
+            </a:r>
+          </a:p>
+          <a:p>
+            <a:r>
+              <a:rPr lang="en-US" dirty="0"/>
+              <a:t>Re-using the pagination logic &amp; controls.</a:t>
+            </a:r>
+          </a:p>
+          <a:p>
+            <a:endParaRPr lang="en-US" dirty="0"/>
+          </a:p>
+        </p:txBody>
+      </p:sp>
+    </p:spTree>
+    <p:extLst>
+      <p:ext uri="{BB962C8B-B14F-4D97-AF65-F5344CB8AC3E}">
+        <p14:creationId xmlns:p14="http://schemas.microsoft.com/office/powerpoint/2010/main" val="1168670867"/>
       </p:ext>
     </p:extLst>
   </p:cSld>
